--- a/docs/Walter-Frontpanel.pptx
+++ b/docs/Walter-Frontpanel.pptx
@@ -243,7 +243,7 @@
           <a:p>
             <a:fld id="{BD70DBB8-8826-40D8-8146-11A515A3C116}" type="datetimeFigureOut">
               <a:rPr lang="de-DE" smtClean="0"/>
-              <a:t>14.01.2017</a:t>
+              <a:t>10.03.2017</a:t>
             </a:fld>
             <a:endParaRPr lang="de-DE"/>
           </a:p>
@@ -413,7 +413,7 @@
           <a:p>
             <a:fld id="{BD70DBB8-8826-40D8-8146-11A515A3C116}" type="datetimeFigureOut">
               <a:rPr lang="de-DE" smtClean="0"/>
-              <a:t>14.01.2017</a:t>
+              <a:t>10.03.2017</a:t>
             </a:fld>
             <a:endParaRPr lang="de-DE"/>
           </a:p>
@@ -593,7 +593,7 @@
           <a:p>
             <a:fld id="{BD70DBB8-8826-40D8-8146-11A515A3C116}" type="datetimeFigureOut">
               <a:rPr lang="de-DE" smtClean="0"/>
-              <a:t>14.01.2017</a:t>
+              <a:t>10.03.2017</a:t>
             </a:fld>
             <a:endParaRPr lang="de-DE"/>
           </a:p>
@@ -763,7 +763,7 @@
           <a:p>
             <a:fld id="{BD70DBB8-8826-40D8-8146-11A515A3C116}" type="datetimeFigureOut">
               <a:rPr lang="de-DE" smtClean="0"/>
-              <a:t>14.01.2017</a:t>
+              <a:t>10.03.2017</a:t>
             </a:fld>
             <a:endParaRPr lang="de-DE"/>
           </a:p>
@@ -1007,7 +1007,7 @@
           <a:p>
             <a:fld id="{BD70DBB8-8826-40D8-8146-11A515A3C116}" type="datetimeFigureOut">
               <a:rPr lang="de-DE" smtClean="0"/>
-              <a:t>14.01.2017</a:t>
+              <a:t>10.03.2017</a:t>
             </a:fld>
             <a:endParaRPr lang="de-DE"/>
           </a:p>
@@ -1239,7 +1239,7 @@
           <a:p>
             <a:fld id="{BD70DBB8-8826-40D8-8146-11A515A3C116}" type="datetimeFigureOut">
               <a:rPr lang="de-DE" smtClean="0"/>
-              <a:t>14.01.2017</a:t>
+              <a:t>10.03.2017</a:t>
             </a:fld>
             <a:endParaRPr lang="de-DE"/>
           </a:p>
@@ -1606,7 +1606,7 @@
           <a:p>
             <a:fld id="{BD70DBB8-8826-40D8-8146-11A515A3C116}" type="datetimeFigureOut">
               <a:rPr lang="de-DE" smtClean="0"/>
-              <a:t>14.01.2017</a:t>
+              <a:t>10.03.2017</a:t>
             </a:fld>
             <a:endParaRPr lang="de-DE"/>
           </a:p>
@@ -1724,7 +1724,7 @@
           <a:p>
             <a:fld id="{BD70DBB8-8826-40D8-8146-11A515A3C116}" type="datetimeFigureOut">
               <a:rPr lang="de-DE" smtClean="0"/>
-              <a:t>14.01.2017</a:t>
+              <a:t>10.03.2017</a:t>
             </a:fld>
             <a:endParaRPr lang="de-DE"/>
           </a:p>
@@ -1819,7 +1819,7 @@
           <a:p>
             <a:fld id="{BD70DBB8-8826-40D8-8146-11A515A3C116}" type="datetimeFigureOut">
               <a:rPr lang="de-DE" smtClean="0"/>
-              <a:t>14.01.2017</a:t>
+              <a:t>10.03.2017</a:t>
             </a:fld>
             <a:endParaRPr lang="de-DE"/>
           </a:p>
@@ -2096,7 +2096,7 @@
           <a:p>
             <a:fld id="{BD70DBB8-8826-40D8-8146-11A515A3C116}" type="datetimeFigureOut">
               <a:rPr lang="de-DE" smtClean="0"/>
-              <a:t>14.01.2017</a:t>
+              <a:t>10.03.2017</a:t>
             </a:fld>
             <a:endParaRPr lang="de-DE"/>
           </a:p>
@@ -2353,7 +2353,7 @@
           <a:p>
             <a:fld id="{BD70DBB8-8826-40D8-8146-11A515A3C116}" type="datetimeFigureOut">
               <a:rPr lang="de-DE" smtClean="0"/>
-              <a:t>14.01.2017</a:t>
+              <a:t>10.03.2017</a:t>
             </a:fld>
             <a:endParaRPr lang="de-DE"/>
           </a:p>
@@ -2566,7 +2566,7 @@
           <a:p>
             <a:fld id="{BD70DBB8-8826-40D8-8146-11A515A3C116}" type="datetimeFigureOut">
               <a:rPr lang="de-DE" smtClean="0"/>
-              <a:t>14.01.2017</a:t>
+              <a:t>10.03.2017</a:t>
             </a:fld>
             <a:endParaRPr lang="de-DE"/>
           </a:p>
@@ -3909,13 +3909,6 @@
               </a:rPr>
               <a:t>Broken </a:t>
             </a:r>
-            <a:endParaRPr lang="en-GB" sz="1700" b="1" cap="all" dirty="0" smtClean="0">
-              <a:solidFill>
-                <a:schemeClr val="tx1"/>
-              </a:solidFill>
-              <a:latin typeface="BankGothic Md BT" panose="020B0807020203060204" pitchFamily="34" charset="0"/>
-              <a:cs typeface="Leelawadee UI Semilight" panose="020B0402040204020203" pitchFamily="34" charset="-34"/>
-            </a:endParaRPr>
           </a:p>
           <a:p>
             <a:pPr algn="ctr"/>
@@ -3936,6 +3929,56 @@
               <a:latin typeface="BankGothic Md BT" panose="020B0807020203060204" pitchFamily="34" charset="0"/>
               <a:cs typeface="Leelawadee UI Semilight" panose="020B0402040204020203" pitchFamily="34" charset="-34"/>
             </a:endParaRPr>
+          </a:p>
+        </p:txBody>
+      </p:sp>
+      <p:sp>
+        <p:nvSpPr>
+          <p:cNvPr id="2" name="Textfeld 1"/>
+          <p:cNvSpPr txBox="1"/>
+          <p:nvPr/>
+        </p:nvSpPr>
+        <p:spPr>
+          <a:xfrm>
+            <a:off x="0" y="0"/>
+            <a:ext cx="2582438" cy="276999"/>
+          </a:xfrm>
+          <a:prstGeom prst="rect">
+            <a:avLst/>
+          </a:prstGeom>
+          <a:noFill/>
+        </p:spPr>
+        <p:txBody>
+          <a:bodyPr wrap="none" rtlCol="0">
+            <a:spAutoFit/>
+          </a:bodyPr>
+          <a:lstStyle/>
+          <a:p>
+            <a:r>
+              <a:rPr lang="de-DE" sz="1200" dirty="0" err="1" smtClean="0"/>
+              <a:t>Printout</a:t>
+            </a:r>
+            <a:r>
+              <a:rPr lang="de-DE" sz="1200" dirty="0" smtClean="0"/>
+              <a:t> </a:t>
+            </a:r>
+            <a:r>
+              <a:rPr lang="de-DE" sz="1200" dirty="0" err="1" smtClean="0"/>
+              <a:t>of</a:t>
+            </a:r>
+            <a:r>
+              <a:rPr lang="de-DE" sz="1200" dirty="0" smtClean="0"/>
+              <a:t> Control </a:t>
+            </a:r>
+            <a:r>
+              <a:rPr lang="de-DE" sz="1200" dirty="0" err="1" smtClean="0"/>
+              <a:t>Cabinet</a:t>
+            </a:r>
+            <a:r>
+              <a:rPr lang="de-DE" sz="1200" dirty="0" smtClean="0"/>
+              <a:t> Frontpanel</a:t>
+            </a:r>
+            <a:endParaRPr lang="de-DE" sz="1200" dirty="0"/>
           </a:p>
         </p:txBody>
       </p:sp>
